--- a/рубеж 3/презы/ЦАП.pptx
+++ b/рубеж 3/презы/ЦАП.pptx
@@ -258,7 +258,7 @@
           <a:p>
             <a:fld id="{D028F49C-B38B-4102-9328-082EB92AC7D2}" type="datetimeFigureOut">
               <a:rPr lang="ru-RU" smtClean="0"/>
-              <a:t>08.05.2021</a:t>
+              <a:t>12.05.2021</a:t>
             </a:fld>
             <a:endParaRPr lang="ru-RU"/>
           </a:p>
@@ -428,7 +428,7 @@
           <a:p>
             <a:fld id="{D028F49C-B38B-4102-9328-082EB92AC7D2}" type="datetimeFigureOut">
               <a:rPr lang="ru-RU" smtClean="0"/>
-              <a:t>08.05.2021</a:t>
+              <a:t>12.05.2021</a:t>
             </a:fld>
             <a:endParaRPr lang="ru-RU"/>
           </a:p>
@@ -608,7 +608,7 @@
           <a:p>
             <a:fld id="{D028F49C-B38B-4102-9328-082EB92AC7D2}" type="datetimeFigureOut">
               <a:rPr lang="ru-RU" smtClean="0"/>
-              <a:t>08.05.2021</a:t>
+              <a:t>12.05.2021</a:t>
             </a:fld>
             <a:endParaRPr lang="ru-RU"/>
           </a:p>
@@ -778,7 +778,7 @@
           <a:p>
             <a:fld id="{D028F49C-B38B-4102-9328-082EB92AC7D2}" type="datetimeFigureOut">
               <a:rPr lang="ru-RU" smtClean="0"/>
-              <a:t>08.05.2021</a:t>
+              <a:t>12.05.2021</a:t>
             </a:fld>
             <a:endParaRPr lang="ru-RU"/>
           </a:p>
@@ -1024,7 +1024,7 @@
           <a:p>
             <a:fld id="{D028F49C-B38B-4102-9328-082EB92AC7D2}" type="datetimeFigureOut">
               <a:rPr lang="ru-RU" smtClean="0"/>
-              <a:t>08.05.2021</a:t>
+              <a:t>12.05.2021</a:t>
             </a:fld>
             <a:endParaRPr lang="ru-RU"/>
           </a:p>
@@ -1256,7 +1256,7 @@
           <a:p>
             <a:fld id="{D028F49C-B38B-4102-9328-082EB92AC7D2}" type="datetimeFigureOut">
               <a:rPr lang="ru-RU" smtClean="0"/>
-              <a:t>08.05.2021</a:t>
+              <a:t>12.05.2021</a:t>
             </a:fld>
             <a:endParaRPr lang="ru-RU"/>
           </a:p>
@@ -1623,7 +1623,7 @@
           <a:p>
             <a:fld id="{D028F49C-B38B-4102-9328-082EB92AC7D2}" type="datetimeFigureOut">
               <a:rPr lang="ru-RU" smtClean="0"/>
-              <a:t>08.05.2021</a:t>
+              <a:t>12.05.2021</a:t>
             </a:fld>
             <a:endParaRPr lang="ru-RU"/>
           </a:p>
@@ -1741,7 +1741,7 @@
           <a:p>
             <a:fld id="{D028F49C-B38B-4102-9328-082EB92AC7D2}" type="datetimeFigureOut">
               <a:rPr lang="ru-RU" smtClean="0"/>
-              <a:t>08.05.2021</a:t>
+              <a:t>12.05.2021</a:t>
             </a:fld>
             <a:endParaRPr lang="ru-RU"/>
           </a:p>
@@ -1836,7 +1836,7 @@
           <a:p>
             <a:fld id="{D028F49C-B38B-4102-9328-082EB92AC7D2}" type="datetimeFigureOut">
               <a:rPr lang="ru-RU" smtClean="0"/>
-              <a:t>08.05.2021</a:t>
+              <a:t>12.05.2021</a:t>
             </a:fld>
             <a:endParaRPr lang="ru-RU"/>
           </a:p>
@@ -2113,7 +2113,7 @@
           <a:p>
             <a:fld id="{D028F49C-B38B-4102-9328-082EB92AC7D2}" type="datetimeFigureOut">
               <a:rPr lang="ru-RU" smtClean="0"/>
-              <a:t>08.05.2021</a:t>
+              <a:t>12.05.2021</a:t>
             </a:fld>
             <a:endParaRPr lang="ru-RU"/>
           </a:p>
@@ -2366,7 +2366,7 @@
           <a:p>
             <a:fld id="{D028F49C-B38B-4102-9328-082EB92AC7D2}" type="datetimeFigureOut">
               <a:rPr lang="ru-RU" smtClean="0"/>
-              <a:t>08.05.2021</a:t>
+              <a:t>12.05.2021</a:t>
             </a:fld>
             <a:endParaRPr lang="ru-RU"/>
           </a:p>
@@ -2579,7 +2579,7 @@
           <a:p>
             <a:fld id="{D028F49C-B38B-4102-9328-082EB92AC7D2}" type="datetimeFigureOut">
               <a:rPr lang="ru-RU" smtClean="0"/>
-              <a:t>08.05.2021</a:t>
+              <a:t>12.05.2021</a:t>
             </a:fld>
             <a:endParaRPr lang="ru-RU"/>
           </a:p>
@@ -3453,6 +3453,102 @@
           </a:p>
         </p:txBody>
       </p:sp>
+      <p:pic>
+        <p:nvPicPr>
+          <p:cNvPr id="11" name="Рисунок 10"/>
+          <p:cNvPicPr>
+            <a:picLocks noChangeAspect="1"/>
+          </p:cNvPicPr>
+          <p:nvPr/>
+        </p:nvPicPr>
+        <p:blipFill>
+          <a:blip r:embed="rId3"/>
+          <a:stretch>
+            <a:fillRect/>
+          </a:stretch>
+        </p:blipFill>
+        <p:spPr>
+          <a:xfrm>
+            <a:off x="3655920" y="5473642"/>
+            <a:ext cx="848347" cy="299417"/>
+          </a:xfrm>
+          <a:prstGeom prst="rect">
+            <a:avLst/>
+          </a:prstGeom>
+        </p:spPr>
+      </p:pic>
+      <p:pic>
+        <p:nvPicPr>
+          <p:cNvPr id="12" name="Рисунок 11"/>
+          <p:cNvPicPr>
+            <a:picLocks noChangeAspect="1"/>
+          </p:cNvPicPr>
+          <p:nvPr/>
+        </p:nvPicPr>
+        <p:blipFill>
+          <a:blip r:embed="rId4"/>
+          <a:stretch>
+            <a:fillRect/>
+          </a:stretch>
+        </p:blipFill>
+        <p:spPr>
+          <a:xfrm>
+            <a:off x="4504267" y="5566966"/>
+            <a:ext cx="1395794" cy="201802"/>
+          </a:xfrm>
+          <a:prstGeom prst="rect">
+            <a:avLst/>
+          </a:prstGeom>
+        </p:spPr>
+      </p:pic>
+      <p:pic>
+        <p:nvPicPr>
+          <p:cNvPr id="13" name="Рисунок 12"/>
+          <p:cNvPicPr>
+            <a:picLocks noChangeAspect="1"/>
+          </p:cNvPicPr>
+          <p:nvPr/>
+        </p:nvPicPr>
+        <p:blipFill>
+          <a:blip r:embed="rId4"/>
+          <a:stretch>
+            <a:fillRect/>
+          </a:stretch>
+        </p:blipFill>
+        <p:spPr>
+          <a:xfrm>
+            <a:off x="990404" y="5729639"/>
+            <a:ext cx="1269722" cy="183575"/>
+          </a:xfrm>
+          <a:prstGeom prst="rect">
+            <a:avLst/>
+          </a:prstGeom>
+        </p:spPr>
+      </p:pic>
+      <p:pic>
+        <p:nvPicPr>
+          <p:cNvPr id="14" name="Рисунок 13"/>
+          <p:cNvPicPr>
+            <a:picLocks noChangeAspect="1"/>
+          </p:cNvPicPr>
+          <p:nvPr/>
+        </p:nvPicPr>
+        <p:blipFill>
+          <a:blip r:embed="rId4"/>
+          <a:stretch>
+            <a:fillRect/>
+          </a:stretch>
+        </p:blipFill>
+        <p:spPr>
+          <a:xfrm>
+            <a:off x="6122531" y="5560827"/>
+            <a:ext cx="4206801" cy="178133"/>
+          </a:xfrm>
+          <a:prstGeom prst="rect">
+            <a:avLst/>
+          </a:prstGeom>
+        </p:spPr>
+      </p:pic>
     </p:spTree>
     <p:extLst>
       <p:ext uri="{BB962C8B-B14F-4D97-AF65-F5344CB8AC3E}">
@@ -3727,7 +3823,15 @@
                   <a:srgbClr val="FF0000"/>
                 </a:solidFill>
               </a:rPr>
-              <a:t>Установим при помощи ключей на вход ЦАП код 11100000</a:t>
+              <a:t>Установим при помощи ключей на вход ЦАП код </a:t>
+            </a:r>
+            <a:r>
+              <a:rPr lang="ru-RU" b="1" dirty="0" smtClean="0">
+                <a:solidFill>
+                  <a:srgbClr val="FF0000"/>
+                </a:solidFill>
+              </a:rPr>
+              <a:t>00000111</a:t>
             </a:r>
             <a:endParaRPr lang="ru-RU" b="1" dirty="0">
               <a:solidFill>
@@ -3800,6 +3904,102 @@
           </a:p>
         </p:txBody>
       </p:sp>
+      <p:pic>
+        <p:nvPicPr>
+          <p:cNvPr id="11" name="Рисунок 10"/>
+          <p:cNvPicPr>
+            <a:picLocks noChangeAspect="1"/>
+          </p:cNvPicPr>
+          <p:nvPr/>
+        </p:nvPicPr>
+        <p:blipFill>
+          <a:blip r:embed="rId3"/>
+          <a:stretch>
+            <a:fillRect/>
+          </a:stretch>
+        </p:blipFill>
+        <p:spPr>
+          <a:xfrm>
+            <a:off x="3995352" y="5399773"/>
+            <a:ext cx="1395794" cy="201802"/>
+          </a:xfrm>
+          <a:prstGeom prst="rect">
+            <a:avLst/>
+          </a:prstGeom>
+        </p:spPr>
+      </p:pic>
+      <p:pic>
+        <p:nvPicPr>
+          <p:cNvPr id="12" name="Рисунок 11"/>
+          <p:cNvPicPr>
+            <a:picLocks noChangeAspect="1"/>
+          </p:cNvPicPr>
+          <p:nvPr/>
+        </p:nvPicPr>
+        <p:blipFill>
+          <a:blip r:embed="rId3"/>
+          <a:stretch>
+            <a:fillRect/>
+          </a:stretch>
+        </p:blipFill>
+        <p:spPr>
+          <a:xfrm>
+            <a:off x="1357031" y="5644803"/>
+            <a:ext cx="1216836" cy="175928"/>
+          </a:xfrm>
+          <a:prstGeom prst="rect">
+            <a:avLst/>
+          </a:prstGeom>
+        </p:spPr>
+      </p:pic>
+      <p:pic>
+        <p:nvPicPr>
+          <p:cNvPr id="13" name="Рисунок 12"/>
+          <p:cNvPicPr>
+            <a:picLocks noChangeAspect="1"/>
+          </p:cNvPicPr>
+          <p:nvPr/>
+        </p:nvPicPr>
+        <p:blipFill>
+          <a:blip r:embed="rId3"/>
+          <a:stretch>
+            <a:fillRect/>
+          </a:stretch>
+        </p:blipFill>
+        <p:spPr>
+          <a:xfrm>
+            <a:off x="6342666" y="5399772"/>
+            <a:ext cx="4020534" cy="201803"/>
+          </a:xfrm>
+          <a:prstGeom prst="rect">
+            <a:avLst/>
+          </a:prstGeom>
+        </p:spPr>
+      </p:pic>
+      <p:pic>
+        <p:nvPicPr>
+          <p:cNvPr id="15" name="Рисунок 14"/>
+          <p:cNvPicPr>
+            <a:picLocks noChangeAspect="1"/>
+          </p:cNvPicPr>
+          <p:nvPr/>
+        </p:nvPicPr>
+        <p:blipFill>
+          <a:blip r:embed="rId4"/>
+          <a:stretch>
+            <a:fillRect/>
+          </a:stretch>
+        </p:blipFill>
+        <p:spPr>
+          <a:xfrm>
+            <a:off x="4118759" y="5277521"/>
+            <a:ext cx="848347" cy="299417"/>
+          </a:xfrm>
+          <a:prstGeom prst="rect">
+            <a:avLst/>
+          </a:prstGeom>
+        </p:spPr>
+      </p:pic>
     </p:spTree>
     <p:extLst>
       <p:ext uri="{BB962C8B-B14F-4D97-AF65-F5344CB8AC3E}">
@@ -4005,7 +4205,7 @@
         <p:spPr>
           <a:xfrm>
             <a:off x="6537158" y="1536487"/>
-            <a:ext cx="4559221" cy="646331"/>
+            <a:ext cx="4559221" cy="369332"/>
           </a:xfrm>
           <a:prstGeom prst="rect">
             <a:avLst/>
@@ -4038,20 +4238,17 @@
                   <a:srgbClr val="FF0000"/>
                 </a:solidFill>
               </a:rPr>
-              <a:t>Коэффициент усиления ОУ изменился</a:t>
-            </a:r>
-          </a:p>
-          <a:p>
-            <a:pPr algn="ctr"/>
+              <a:t>Коэффициент усиления ОУ </a:t>
+            </a:r>
             <a:r>
               <a:rPr lang="ru-RU" b="1" dirty="0" smtClean="0">
                 <a:solidFill>
                   <a:srgbClr val="FF0000"/>
                 </a:solidFill>
               </a:rPr>
-              <a:t>И стал равным 0.0023</a:t>
-            </a:r>
-            <a:endParaRPr lang="ru-RU" b="1" dirty="0">
+              <a:t>изменился</a:t>
+            </a:r>
+            <a:endParaRPr lang="ru-RU" b="1" dirty="0" smtClean="0">
               <a:solidFill>
                 <a:srgbClr val="FF0000"/>
               </a:solidFill>
@@ -4059,6 +4256,78 @@
           </a:p>
         </p:txBody>
       </p:sp>
+      <p:pic>
+        <p:nvPicPr>
+          <p:cNvPr id="9" name="Рисунок 8"/>
+          <p:cNvPicPr>
+            <a:picLocks noChangeAspect="1"/>
+          </p:cNvPicPr>
+          <p:nvPr/>
+        </p:nvPicPr>
+        <p:blipFill>
+          <a:blip r:embed="rId3"/>
+          <a:stretch>
+            <a:fillRect/>
+          </a:stretch>
+        </p:blipFill>
+        <p:spPr>
+          <a:xfrm>
+            <a:off x="1416298" y="5651811"/>
+            <a:ext cx="1328490" cy="261615"/>
+          </a:xfrm>
+          <a:prstGeom prst="rect">
+            <a:avLst/>
+          </a:prstGeom>
+        </p:spPr>
+      </p:pic>
+      <p:pic>
+        <p:nvPicPr>
+          <p:cNvPr id="10" name="Рисунок 9"/>
+          <p:cNvPicPr>
+            <a:picLocks noChangeAspect="1"/>
+          </p:cNvPicPr>
+          <p:nvPr/>
+        </p:nvPicPr>
+        <p:blipFill>
+          <a:blip r:embed="rId3"/>
+          <a:stretch>
+            <a:fillRect/>
+          </a:stretch>
+        </p:blipFill>
+        <p:spPr>
+          <a:xfrm>
+            <a:off x="6629400" y="5440058"/>
+            <a:ext cx="4203700" cy="208014"/>
+          </a:xfrm>
+          <a:prstGeom prst="rect">
+            <a:avLst/>
+          </a:prstGeom>
+        </p:spPr>
+      </p:pic>
+      <p:pic>
+        <p:nvPicPr>
+          <p:cNvPr id="12" name="Рисунок 11"/>
+          <p:cNvPicPr>
+            <a:picLocks noChangeAspect="1"/>
+          </p:cNvPicPr>
+          <p:nvPr/>
+        </p:nvPicPr>
+        <p:blipFill>
+          <a:blip r:embed="rId4"/>
+          <a:stretch>
+            <a:fillRect/>
+          </a:stretch>
+        </p:blipFill>
+        <p:spPr>
+          <a:xfrm>
+            <a:off x="1656369" y="5630779"/>
+            <a:ext cx="848347" cy="299417"/>
+          </a:xfrm>
+          <a:prstGeom prst="rect">
+            <a:avLst/>
+          </a:prstGeom>
+        </p:spPr>
+      </p:pic>
     </p:spTree>
     <p:extLst>
       <p:ext uri="{BB962C8B-B14F-4D97-AF65-F5344CB8AC3E}">
@@ -4089,30 +4358,6 @@
           <a:chExt cx="0" cy="0"/>
         </a:xfrm>
       </p:grpSpPr>
-      <p:pic>
-        <p:nvPicPr>
-          <p:cNvPr id="3" name="Рисунок 2"/>
-          <p:cNvPicPr>
-            <a:picLocks noChangeAspect="1"/>
-          </p:cNvPicPr>
-          <p:nvPr/>
-        </p:nvPicPr>
-        <p:blipFill>
-          <a:blip r:embed="rId2"/>
-          <a:stretch>
-            <a:fillRect/>
-          </a:stretch>
-        </p:blipFill>
-        <p:spPr>
-          <a:xfrm>
-            <a:off x="2194409" y="2219274"/>
-            <a:ext cx="7896225" cy="3629025"/>
-          </a:xfrm>
-          <a:prstGeom prst="rect">
-            <a:avLst/>
-          </a:prstGeom>
-        </p:spPr>
-      </p:pic>
       <p:sp>
         <p:nvSpPr>
           <p:cNvPr id="4" name="Прямоугольник 3"/>
@@ -4155,15 +4400,7 @@
                   <a:srgbClr val="FF0000"/>
                 </a:solidFill>
               </a:rPr>
-              <a:t>Продолжая вводить двоичные коды на вход </a:t>
-            </a:r>
-            <a:r>
-              <a:rPr lang="ru-RU" b="1" dirty="0" smtClean="0">
-                <a:solidFill>
-                  <a:srgbClr val="FF0000"/>
-                </a:solidFill>
-              </a:rPr>
-              <a:t>ЦАП, заполним таблицу,</a:t>
+              <a:t>Продолжая вводить двоичные коды на вход ЦАП, заполним таблицу,</a:t>
             </a:r>
           </a:p>
           <a:p>
@@ -4182,7 +4419,15 @@
                   <a:srgbClr val="FF0000"/>
                 </a:solidFill>
               </a:rPr>
-              <a:t>нимая показания амперметра, вольтметра и вычисляя коэффициент усиления ОУ</a:t>
+              <a:t>нимая показания амперметра, </a:t>
+            </a:r>
+            <a:r>
+              <a:rPr lang="ru-RU" b="1" dirty="0" smtClean="0">
+                <a:solidFill>
+                  <a:srgbClr val="FF0000"/>
+                </a:solidFill>
+              </a:rPr>
+              <a:t>вольтметра</a:t>
             </a:r>
             <a:endParaRPr lang="ru-RU" b="1" dirty="0">
               <a:solidFill>
@@ -4192,6 +4437,30 @@
           </a:p>
         </p:txBody>
       </p:sp>
+      <p:pic>
+        <p:nvPicPr>
+          <p:cNvPr id="2" name="Рисунок 1"/>
+          <p:cNvPicPr>
+            <a:picLocks noChangeAspect="1"/>
+          </p:cNvPicPr>
+          <p:nvPr/>
+        </p:nvPicPr>
+        <p:blipFill>
+          <a:blip r:embed="rId2"/>
+          <a:stretch>
+            <a:fillRect/>
+          </a:stretch>
+        </p:blipFill>
+        <p:spPr>
+          <a:xfrm>
+            <a:off x="3156478" y="2229907"/>
+            <a:ext cx="7115175" cy="2838450"/>
+          </a:xfrm>
+          <a:prstGeom prst="rect">
+            <a:avLst/>
+          </a:prstGeom>
+        </p:spPr>
+      </p:pic>
     </p:spTree>
     <p:extLst>
       <p:ext uri="{BB962C8B-B14F-4D97-AF65-F5344CB8AC3E}">
@@ -4224,7 +4493,7 @@
       </p:grpSpPr>
       <p:pic>
         <p:nvPicPr>
-          <p:cNvPr id="2" name="Рисунок 1"/>
+          <p:cNvPr id="9" name="Рисунок 8"/>
           <p:cNvPicPr>
             <a:picLocks noChangeAspect="1"/>
           </p:cNvPicPr>
@@ -4238,8 +4507,8 @@
         </p:blipFill>
         <p:spPr>
           <a:xfrm>
-            <a:off x="1924902" y="2556158"/>
-            <a:ext cx="7896225" cy="3629025"/>
+            <a:off x="2132546" y="2438284"/>
+            <a:ext cx="7367589" cy="2939145"/>
           </a:xfrm>
           <a:prstGeom prst="rect">
             <a:avLst/>
@@ -4338,7 +4607,7 @@
         </p:nvCxnSpPr>
         <p:spPr>
           <a:xfrm flipV="1">
-            <a:off x="2337941" y="4928135"/>
+            <a:off x="2132546" y="4929306"/>
             <a:ext cx="7162194" cy="1782"/>
           </a:xfrm>
           <a:prstGeom prst="line">
@@ -4551,6 +4820,29 @@
           <a:xfrm>
             <a:off x="1456523" y="1481337"/>
             <a:ext cx="9124950" cy="3933825"/>
+          </a:xfrm>
+          <a:prstGeom prst="rect">
+            <a:avLst/>
+          </a:prstGeom>
+        </p:spPr>
+      </p:pic>
+      <p:pic>
+        <p:nvPicPr>
+          <p:cNvPr id="3" name="Рисунок 2"/>
+          <p:cNvPicPr>
+            <a:picLocks noChangeAspect="1"/>
+          </p:cNvPicPr>
+          <p:nvPr/>
+        </p:nvPicPr>
+        <p:blipFill rotWithShape="1">
+          <a:blip r:embed="rId3"/>
+          <a:srcRect t="21477" r="4622"/>
+          <a:stretch/>
+        </p:blipFill>
+        <p:spPr>
+          <a:xfrm>
+            <a:off x="1456523" y="2743200"/>
+            <a:ext cx="7839877" cy="2574843"/>
           </a:xfrm>
           <a:prstGeom prst="rect">
             <a:avLst/>
@@ -4653,15 +4945,7 @@
                   <a:srgbClr val="FF0000"/>
                 </a:solidFill>
               </a:rPr>
-              <a:t>Таким образом</a:t>
-            </a:r>
-            <a:r>
-              <a:rPr lang="ru-RU" b="1" dirty="0" smtClean="0">
-                <a:solidFill>
-                  <a:srgbClr val="FF0000"/>
-                </a:solidFill>
-              </a:rPr>
-              <a:t>,</a:t>
+              <a:t>Таким образом,</a:t>
             </a:r>
             <a:r>
               <a:rPr lang="ru-RU" dirty="0" smtClean="0"/>
@@ -4726,6 +5010,29 @@
           </a:p>
         </p:txBody>
       </p:sp>
+      <p:pic>
+        <p:nvPicPr>
+          <p:cNvPr id="5" name="Рисунок 4"/>
+          <p:cNvPicPr>
+            <a:picLocks noChangeAspect="1"/>
+          </p:cNvPicPr>
+          <p:nvPr/>
+        </p:nvPicPr>
+        <p:blipFill rotWithShape="1">
+          <a:blip r:embed="rId3"/>
+          <a:srcRect t="21477" r="4622"/>
+          <a:stretch/>
+        </p:blipFill>
+        <p:spPr>
+          <a:xfrm>
+            <a:off x="2281888" y="3344333"/>
+            <a:ext cx="7839877" cy="2574843"/>
+          </a:xfrm>
+          <a:prstGeom prst="rect">
+            <a:avLst/>
+          </a:prstGeom>
+        </p:spPr>
+      </p:pic>
     </p:spTree>
     <p:extLst>
       <p:ext uri="{BB962C8B-B14F-4D97-AF65-F5344CB8AC3E}">
@@ -5947,15 +6254,7 @@
                   <a:srgbClr val="FF0000"/>
                 </a:solidFill>
               </a:rPr>
-              <a:t>Пронаблюдаем,</a:t>
-            </a:r>
-            <a:r>
-              <a:rPr lang="ru-RU" b="1" dirty="0" smtClean="0">
-                <a:solidFill>
-                  <a:srgbClr val="FF0000"/>
-                </a:solidFill>
-              </a:rPr>
-              <a:t> как ЦАП преобразует цифровой код(подаваемый на входы </a:t>
+              <a:t>Пронаблюдаем, как ЦАП преобразует цифровой код(подаваемый на входы </a:t>
             </a:r>
             <a:r>
               <a:rPr lang="en-US" b="1" dirty="0" smtClean="0">
@@ -6439,6 +6738,102 @@
           </a:p>
         </p:txBody>
       </p:sp>
+      <p:pic>
+        <p:nvPicPr>
+          <p:cNvPr id="2" name="Рисунок 1"/>
+          <p:cNvPicPr>
+            <a:picLocks noChangeAspect="1"/>
+          </p:cNvPicPr>
+          <p:nvPr/>
+        </p:nvPicPr>
+        <p:blipFill>
+          <a:blip r:embed="rId3"/>
+          <a:stretch>
+            <a:fillRect/>
+          </a:stretch>
+        </p:blipFill>
+        <p:spPr>
+          <a:xfrm>
+            <a:off x="1681564" y="5964048"/>
+            <a:ext cx="1395794" cy="201802"/>
+          </a:xfrm>
+          <a:prstGeom prst="rect">
+            <a:avLst/>
+          </a:prstGeom>
+        </p:spPr>
+      </p:pic>
+      <p:pic>
+        <p:nvPicPr>
+          <p:cNvPr id="15" name="Рисунок 14"/>
+          <p:cNvPicPr>
+            <a:picLocks noChangeAspect="1"/>
+          </p:cNvPicPr>
+          <p:nvPr/>
+        </p:nvPicPr>
+        <p:blipFill>
+          <a:blip r:embed="rId3"/>
+          <a:stretch>
+            <a:fillRect/>
+          </a:stretch>
+        </p:blipFill>
+        <p:spPr>
+          <a:xfrm>
+            <a:off x="4478306" y="5762246"/>
+            <a:ext cx="1395794" cy="201802"/>
+          </a:xfrm>
+          <a:prstGeom prst="rect">
+            <a:avLst/>
+          </a:prstGeom>
+        </p:spPr>
+      </p:pic>
+      <p:pic>
+        <p:nvPicPr>
+          <p:cNvPr id="23" name="Рисунок 22"/>
+          <p:cNvPicPr>
+            <a:picLocks noChangeAspect="1"/>
+          </p:cNvPicPr>
+          <p:nvPr/>
+        </p:nvPicPr>
+        <p:blipFill>
+          <a:blip r:embed="rId3"/>
+          <a:stretch>
+            <a:fillRect/>
+          </a:stretch>
+        </p:blipFill>
+        <p:spPr>
+          <a:xfrm>
+            <a:off x="7011956" y="5737225"/>
+            <a:ext cx="4202144" cy="226823"/>
+          </a:xfrm>
+          <a:prstGeom prst="rect">
+            <a:avLst/>
+          </a:prstGeom>
+        </p:spPr>
+      </p:pic>
+      <p:pic>
+        <p:nvPicPr>
+          <p:cNvPr id="24" name="Рисунок 23"/>
+          <p:cNvPicPr>
+            <a:picLocks noChangeAspect="1"/>
+          </p:cNvPicPr>
+          <p:nvPr/>
+        </p:nvPicPr>
+        <p:blipFill>
+          <a:blip r:embed="rId4"/>
+          <a:stretch>
+            <a:fillRect/>
+          </a:stretch>
+        </p:blipFill>
+        <p:spPr>
+          <a:xfrm>
+            <a:off x="4544919" y="5649819"/>
+            <a:ext cx="855695" cy="302010"/>
+          </a:xfrm>
+          <a:prstGeom prst="rect">
+            <a:avLst/>
+          </a:prstGeom>
+        </p:spPr>
+      </p:pic>
     </p:spTree>
     <p:extLst>
       <p:ext uri="{BB962C8B-B14F-4D97-AF65-F5344CB8AC3E}">
@@ -6608,6 +7003,102 @@
           </a:fontRef>
         </p:style>
       </p:cxnSp>
+      <p:pic>
+        <p:nvPicPr>
+          <p:cNvPr id="6" name="Рисунок 5"/>
+          <p:cNvPicPr>
+            <a:picLocks noChangeAspect="1"/>
+          </p:cNvPicPr>
+          <p:nvPr/>
+        </p:nvPicPr>
+        <p:blipFill>
+          <a:blip r:embed="rId3"/>
+          <a:stretch>
+            <a:fillRect/>
+          </a:stretch>
+        </p:blipFill>
+        <p:spPr>
+          <a:xfrm>
+            <a:off x="1526300" y="5625086"/>
+            <a:ext cx="1323580" cy="191361"/>
+          </a:xfrm>
+          <a:prstGeom prst="rect">
+            <a:avLst/>
+          </a:prstGeom>
+        </p:spPr>
+      </p:pic>
+      <p:pic>
+        <p:nvPicPr>
+          <p:cNvPr id="8" name="Рисунок 7"/>
+          <p:cNvPicPr>
+            <a:picLocks noChangeAspect="1"/>
+          </p:cNvPicPr>
+          <p:nvPr/>
+        </p:nvPicPr>
+        <p:blipFill>
+          <a:blip r:embed="rId3"/>
+          <a:stretch>
+            <a:fillRect/>
+          </a:stretch>
+        </p:blipFill>
+        <p:spPr>
+          <a:xfrm>
+            <a:off x="4209066" y="5423284"/>
+            <a:ext cx="1395794" cy="201802"/>
+          </a:xfrm>
+          <a:prstGeom prst="rect">
+            <a:avLst/>
+          </a:prstGeom>
+        </p:spPr>
+      </p:pic>
+      <p:pic>
+        <p:nvPicPr>
+          <p:cNvPr id="9" name="Рисунок 8"/>
+          <p:cNvPicPr>
+            <a:picLocks noChangeAspect="1"/>
+          </p:cNvPicPr>
+          <p:nvPr/>
+        </p:nvPicPr>
+        <p:blipFill>
+          <a:blip r:embed="rId3"/>
+          <a:stretch>
+            <a:fillRect/>
+          </a:stretch>
+        </p:blipFill>
+        <p:spPr>
+          <a:xfrm>
+            <a:off x="6637305" y="5372331"/>
+            <a:ext cx="4039161" cy="252755"/>
+          </a:xfrm>
+          <a:prstGeom prst="rect">
+            <a:avLst/>
+          </a:prstGeom>
+        </p:spPr>
+      </p:pic>
+      <p:pic>
+        <p:nvPicPr>
+          <p:cNvPr id="5" name="Рисунок 4"/>
+          <p:cNvPicPr>
+            <a:picLocks noChangeAspect="1"/>
+          </p:cNvPicPr>
+          <p:nvPr/>
+        </p:nvPicPr>
+        <p:blipFill>
+          <a:blip r:embed="rId4"/>
+          <a:stretch>
+            <a:fillRect/>
+          </a:stretch>
+        </p:blipFill>
+        <p:spPr>
+          <a:xfrm>
+            <a:off x="4261293" y="5323076"/>
+            <a:ext cx="855695" cy="302010"/>
+          </a:xfrm>
+          <a:prstGeom prst="rect">
+            <a:avLst/>
+          </a:prstGeom>
+        </p:spPr>
+      </p:pic>
     </p:spTree>
     <p:extLst>
       <p:ext uri="{BB962C8B-B14F-4D97-AF65-F5344CB8AC3E}">
@@ -6777,6 +7268,102 @@
           </a:fontRef>
         </p:style>
       </p:cxnSp>
+      <p:pic>
+        <p:nvPicPr>
+          <p:cNvPr id="7" name="Рисунок 6"/>
+          <p:cNvPicPr>
+            <a:picLocks noChangeAspect="1"/>
+          </p:cNvPicPr>
+          <p:nvPr/>
+        </p:nvPicPr>
+        <p:blipFill>
+          <a:blip r:embed="rId3"/>
+          <a:stretch>
+            <a:fillRect/>
+          </a:stretch>
+        </p:blipFill>
+        <p:spPr>
+          <a:xfrm>
+            <a:off x="1803399" y="5543374"/>
+            <a:ext cx="1187355" cy="171666"/>
+          </a:xfrm>
+          <a:prstGeom prst="rect">
+            <a:avLst/>
+          </a:prstGeom>
+        </p:spPr>
+      </p:pic>
+      <p:pic>
+        <p:nvPicPr>
+          <p:cNvPr id="8" name="Рисунок 7"/>
+          <p:cNvPicPr>
+            <a:picLocks noChangeAspect="1"/>
+          </p:cNvPicPr>
+          <p:nvPr/>
+        </p:nvPicPr>
+        <p:blipFill>
+          <a:blip r:embed="rId3"/>
+          <a:stretch>
+            <a:fillRect/>
+          </a:stretch>
+        </p:blipFill>
+        <p:spPr>
+          <a:xfrm>
+            <a:off x="4265494" y="5341310"/>
+            <a:ext cx="1269722" cy="183575"/>
+          </a:xfrm>
+          <a:prstGeom prst="rect">
+            <a:avLst/>
+          </a:prstGeom>
+        </p:spPr>
+      </p:pic>
+      <p:pic>
+        <p:nvPicPr>
+          <p:cNvPr id="9" name="Рисунок 8"/>
+          <p:cNvPicPr>
+            <a:picLocks noChangeAspect="1"/>
+          </p:cNvPicPr>
+          <p:nvPr/>
+        </p:nvPicPr>
+        <p:blipFill>
+          <a:blip r:embed="rId4"/>
+          <a:stretch>
+            <a:fillRect/>
+          </a:stretch>
+        </p:blipFill>
+        <p:spPr>
+          <a:xfrm>
+            <a:off x="4297914" y="5243957"/>
+            <a:ext cx="848347" cy="299417"/>
+          </a:xfrm>
+          <a:prstGeom prst="rect">
+            <a:avLst/>
+          </a:prstGeom>
+        </p:spPr>
+      </p:pic>
+      <p:pic>
+        <p:nvPicPr>
+          <p:cNvPr id="10" name="Рисунок 9"/>
+          <p:cNvPicPr>
+            <a:picLocks noChangeAspect="1"/>
+          </p:cNvPicPr>
+          <p:nvPr/>
+        </p:nvPicPr>
+        <p:blipFill>
+          <a:blip r:embed="rId3"/>
+          <a:stretch>
+            <a:fillRect/>
+          </a:stretch>
+        </p:blipFill>
+        <p:spPr>
+          <a:xfrm>
+            <a:off x="6554331" y="5304598"/>
+            <a:ext cx="4206801" cy="178133"/>
+          </a:xfrm>
+          <a:prstGeom prst="rect">
+            <a:avLst/>
+          </a:prstGeom>
+        </p:spPr>
+      </p:pic>
     </p:spTree>
     <p:extLst>
       <p:ext uri="{BB962C8B-B14F-4D97-AF65-F5344CB8AC3E}">
